--- a/ADSFinalProposal.pptx
+++ b/ADSFinalProposal.pptx
@@ -4872,8 +4872,8 @@
           <a:p>
             <a:pPr algn="l"/>
             <a:r>
-              <a:rPr lang="en-US" b="1" dirty="0"/>
-              <a:t>Infrastructure</a:t>
+              <a:rPr lang="en-US" i="0" dirty="0"/>
+              <a:t>Tools</a:t>
             </a:r>
             <a:br>
               <a:rPr lang="en-US" b="1" dirty="0"/>
@@ -4906,32 +4906,49 @@
           <a:lstStyle/>
           <a:p>
             <a:r>
+              <a:rPr lang="en-US" b="1" dirty="0"/>
+              <a:t>Python</a:t>
+            </a:r>
+            <a:r>
               <a:rPr lang="en-US" dirty="0"/>
-              <a:t>Python – Data processing and Machine Learning.</a:t>
-            </a:r>
-          </a:p>
-          <a:p>
+              <a:t> – Data processing and Machine Learning.</a:t>
+            </a:r>
+          </a:p>
+          <a:p>
+            <a:r>
+              <a:rPr lang="en-US" b="1" dirty="0"/>
+              <a:t>Docker</a:t>
+            </a:r>
             <a:r>
               <a:rPr lang="en-US" dirty="0"/>
-              <a:t>Docker – For easy distribution and submission.</a:t>
-            </a:r>
-          </a:p>
-          <a:p>
+              <a:t> – For easy distribution and submission.</a:t>
+            </a:r>
+          </a:p>
+          <a:p>
+            <a:r>
+              <a:rPr lang="en-US" b="1" dirty="0"/>
+              <a:t>Java</a:t>
+            </a:r>
             <a:r>
               <a:rPr lang="en-US" dirty="0"/>
-              <a:t>Java – Web application.</a:t>
-            </a:r>
-          </a:p>
-          <a:p>
+              <a:t> – Web application.</a:t>
+            </a:r>
+          </a:p>
+          <a:p>
+            <a:pPr lvl="1"/>
+            <a:r>
+              <a:rPr lang="en-US" b="1" dirty="0"/>
+              <a:t>Microsoft Azure ML Studio </a:t>
+            </a:r>
             <a:r>
               <a:rPr lang="en-US" dirty="0"/>
-              <a:t>Microsoft Azure – Machine learning Rest API</a:t>
+              <a:t>– Machine learning Rest API</a:t>
             </a:r>
           </a:p>
           <a:p>
             <a:r>
               <a:rPr lang="en-US" dirty="0"/>
-              <a:t>Tableau/Plotly – Data Visualization</a:t>
+              <a:t>ArcGIS – Geospatial analysis</a:t>
             </a:r>
           </a:p>
         </p:txBody>

--- a/ADSFinalProposal.pptx
+++ b/ADSFinalProposal.pptx
@@ -5,7 +5,7 @@
     <p:sldMasterId id="2147483660" r:id="rId1"/>
   </p:sldMasterIdLst>
   <p:notesMasterIdLst>
-    <p:notesMasterId r:id="rId13"/>
+    <p:notesMasterId r:id="rId17"/>
   </p:notesMasterIdLst>
   <p:sldIdLst>
     <p:sldId id="256" r:id="rId2"/>
@@ -18,7 +18,11 @@
     <p:sldId id="263" r:id="rId9"/>
     <p:sldId id="264" r:id="rId10"/>
     <p:sldId id="265" r:id="rId11"/>
-    <p:sldId id="266" r:id="rId12"/>
+    <p:sldId id="271" r:id="rId12"/>
+    <p:sldId id="274" r:id="rId13"/>
+    <p:sldId id="272" r:id="rId14"/>
+    <p:sldId id="273" r:id="rId15"/>
+    <p:sldId id="266" r:id="rId16"/>
   </p:sldIdLst>
   <p:sldSz cx="12192000" cy="6858000"/>
   <p:notesSz cx="6858000" cy="9144000"/>
@@ -328,7 +332,6 @@
               <a:rPr lang="en-US"/>
               <a:t>Fifth level</a:t>
             </a:r>
-            <a:endParaRPr lang="en-US"/>
           </a:p>
         </p:txBody>
       </p:sp>
@@ -4995,8 +4998,227 @@
         </p:nvSpPr>
         <p:spPr>
           <a:xfrm>
-            <a:off x="2873829" y="2425800"/>
-            <a:ext cx="8696130" cy="858576"/>
+            <a:off x="4379844" y="2693503"/>
+            <a:ext cx="2696817" cy="979927"/>
+          </a:xfrm>
+        </p:spPr>
+        <p:txBody>
+          <a:bodyPr/>
+          <a:lstStyle/>
+          <a:p>
+            <a:r>
+              <a:rPr lang="en-US" dirty="0"/>
+              <a:t>Mockup</a:t>
+            </a:r>
+          </a:p>
+        </p:txBody>
+      </p:sp>
+    </p:spTree>
+    <p:extLst>
+      <p:ext uri="{BB962C8B-B14F-4D97-AF65-F5344CB8AC3E}">
+        <p14:creationId xmlns:p14="http://schemas.microsoft.com/office/powerpoint/2010/main" val="1823702915"/>
+      </p:ext>
+    </p:extLst>
+  </p:cSld>
+  <p:clrMapOvr>
+    <a:masterClrMapping/>
+  </p:clrMapOvr>
+</p:sld>
+</file>
+
+<file path=ppt/slides/slide12.xml><?xml version="1.0" encoding="utf-8"?>
+<p:sld xmlns:a="http://schemas.openxmlformats.org/drawingml/2006/main" xmlns:r="http://schemas.openxmlformats.org/officeDocument/2006/relationships" xmlns:p="http://schemas.openxmlformats.org/presentationml/2006/main">
+  <p:cSld>
+    <p:spTree>
+      <p:nvGrpSpPr>
+        <p:cNvPr id="1" name=""/>
+        <p:cNvGrpSpPr/>
+        <p:nvPr/>
+      </p:nvGrpSpPr>
+      <p:grpSpPr>
+        <a:xfrm>
+          <a:off x="0" y="0"/>
+          <a:ext cx="0" cy="0"/>
+          <a:chOff x="0" y="0"/>
+          <a:chExt cx="0" cy="0"/>
+        </a:xfrm>
+      </p:grpSpPr>
+      <p:pic>
+        <p:nvPicPr>
+          <p:cNvPr id="5" name="Picture 4"/>
+          <p:cNvPicPr>
+            <a:picLocks noChangeAspect="1"/>
+          </p:cNvPicPr>
+          <p:nvPr/>
+        </p:nvPicPr>
+        <p:blipFill>
+          <a:blip r:embed="rId2"/>
+          <a:stretch>
+            <a:fillRect/>
+          </a:stretch>
+        </p:blipFill>
+        <p:spPr>
+          <a:xfrm>
+            <a:off x="1209675" y="350975"/>
+            <a:ext cx="9772650" cy="5400675"/>
+          </a:xfrm>
+          <a:prstGeom prst="rect">
+            <a:avLst/>
+          </a:prstGeom>
+        </p:spPr>
+      </p:pic>
+    </p:spTree>
+    <p:extLst>
+      <p:ext uri="{BB962C8B-B14F-4D97-AF65-F5344CB8AC3E}">
+        <p14:creationId xmlns:p14="http://schemas.microsoft.com/office/powerpoint/2010/main" val="2848932742"/>
+      </p:ext>
+    </p:extLst>
+  </p:cSld>
+  <p:clrMapOvr>
+    <a:masterClrMapping/>
+  </p:clrMapOvr>
+</p:sld>
+</file>
+
+<file path=ppt/slides/slide13.xml><?xml version="1.0" encoding="utf-8"?>
+<p:sld xmlns:a="http://schemas.openxmlformats.org/drawingml/2006/main" xmlns:r="http://schemas.openxmlformats.org/officeDocument/2006/relationships" xmlns:p="http://schemas.openxmlformats.org/presentationml/2006/main">
+  <p:cSld>
+    <p:spTree>
+      <p:nvGrpSpPr>
+        <p:cNvPr id="1" name=""/>
+        <p:cNvGrpSpPr/>
+        <p:nvPr/>
+      </p:nvGrpSpPr>
+      <p:grpSpPr>
+        <a:xfrm>
+          <a:off x="0" y="0"/>
+          <a:ext cx="0" cy="0"/>
+          <a:chOff x="0" y="0"/>
+          <a:chExt cx="0" cy="0"/>
+        </a:xfrm>
+      </p:grpSpPr>
+      <p:pic>
+        <p:nvPicPr>
+          <p:cNvPr id="5" name="Picture 4"/>
+          <p:cNvPicPr>
+            <a:picLocks noChangeAspect="1"/>
+          </p:cNvPicPr>
+          <p:nvPr/>
+        </p:nvPicPr>
+        <p:blipFill>
+          <a:blip r:embed="rId2"/>
+          <a:stretch>
+            <a:fillRect/>
+          </a:stretch>
+        </p:blipFill>
+        <p:spPr>
+          <a:xfrm>
+            <a:off x="1854112" y="149087"/>
+            <a:ext cx="7460706" cy="5933661"/>
+          </a:xfrm>
+          <a:prstGeom prst="rect">
+            <a:avLst/>
+          </a:prstGeom>
+        </p:spPr>
+      </p:pic>
+    </p:spTree>
+    <p:extLst>
+      <p:ext uri="{BB962C8B-B14F-4D97-AF65-F5344CB8AC3E}">
+        <p14:creationId xmlns:p14="http://schemas.microsoft.com/office/powerpoint/2010/main" val="204606735"/>
+      </p:ext>
+    </p:extLst>
+  </p:cSld>
+  <p:clrMapOvr>
+    <a:masterClrMapping/>
+  </p:clrMapOvr>
+</p:sld>
+</file>
+
+<file path=ppt/slides/slide14.xml><?xml version="1.0" encoding="utf-8"?>
+<p:sld xmlns:a="http://schemas.openxmlformats.org/drawingml/2006/main" xmlns:r="http://schemas.openxmlformats.org/officeDocument/2006/relationships" xmlns:p="http://schemas.openxmlformats.org/presentationml/2006/main">
+  <p:cSld>
+    <p:spTree>
+      <p:nvGrpSpPr>
+        <p:cNvPr id="1" name=""/>
+        <p:cNvGrpSpPr/>
+        <p:nvPr/>
+      </p:nvGrpSpPr>
+      <p:grpSpPr>
+        <a:xfrm>
+          <a:off x="0" y="0"/>
+          <a:ext cx="0" cy="0"/>
+          <a:chOff x="0" y="0"/>
+          <a:chExt cx="0" cy="0"/>
+        </a:xfrm>
+      </p:grpSpPr>
+      <p:pic>
+        <p:nvPicPr>
+          <p:cNvPr id="5" name="Picture 4"/>
+          <p:cNvPicPr>
+            <a:picLocks noChangeAspect="1"/>
+          </p:cNvPicPr>
+          <p:nvPr/>
+        </p:nvPicPr>
+        <p:blipFill>
+          <a:blip r:embed="rId2"/>
+          <a:stretch>
+            <a:fillRect/>
+          </a:stretch>
+        </p:blipFill>
+        <p:spPr>
+          <a:xfrm>
+            <a:off x="1209261" y="126102"/>
+            <a:ext cx="9753600" cy="6029325"/>
+          </a:xfrm>
+          <a:prstGeom prst="rect">
+            <a:avLst/>
+          </a:prstGeom>
+        </p:spPr>
+      </p:pic>
+    </p:spTree>
+    <p:extLst>
+      <p:ext uri="{BB962C8B-B14F-4D97-AF65-F5344CB8AC3E}">
+        <p14:creationId xmlns:p14="http://schemas.microsoft.com/office/powerpoint/2010/main" val="1533741223"/>
+      </p:ext>
+    </p:extLst>
+  </p:cSld>
+  <p:clrMapOvr>
+    <a:masterClrMapping/>
+  </p:clrMapOvr>
+</p:sld>
+</file>
+
+<file path=ppt/slides/slide15.xml><?xml version="1.0" encoding="utf-8"?>
+<p:sld xmlns:a="http://schemas.openxmlformats.org/drawingml/2006/main" xmlns:r="http://schemas.openxmlformats.org/officeDocument/2006/relationships" xmlns:p="http://schemas.openxmlformats.org/presentationml/2006/main">
+  <p:cSld>
+    <p:spTree>
+      <p:nvGrpSpPr>
+        <p:cNvPr id="1" name=""/>
+        <p:cNvGrpSpPr/>
+        <p:nvPr/>
+      </p:nvGrpSpPr>
+      <p:grpSpPr>
+        <a:xfrm>
+          <a:off x="0" y="0"/>
+          <a:ext cx="0" cy="0"/>
+          <a:chOff x="0" y="0"/>
+          <a:chExt cx="0" cy="0"/>
+        </a:xfrm>
+      </p:grpSpPr>
+      <p:sp>
+        <p:nvSpPr>
+          <p:cNvPr id="2" name="Title 1"/>
+          <p:cNvSpPr>
+            <a:spLocks noGrp="1"/>
+          </p:cNvSpPr>
+          <p:nvPr>
+            <p:ph type="title"/>
+          </p:nvPr>
+        </p:nvSpPr>
+        <p:spPr>
+          <a:xfrm>
+            <a:off x="3808108" y="2634521"/>
+            <a:ext cx="4043805" cy="858576"/>
           </a:xfrm>
         </p:spPr>
         <p:txBody>
@@ -5126,7 +5348,6 @@
               <a:rPr lang="en-US" dirty="0"/>
               <a:t>This dataset reflects reported incidents of crime (with the exception of murders where data exists for each victim) that occurred in the City of Chicago from 2001 to present. Data is extracted from the Chicago Police Department's CLEAR (Citizen Law Enforcement Analysis and Reporting) system from the below URL.</a:t>
             </a:r>
-            <a:endParaRPr lang="en-US" dirty="0"/>
           </a:p>
           <a:p>
             <a:pPr lvl="1"/>
@@ -5207,7 +5428,7 @@
         </p:nvGraphicFramePr>
         <p:xfrm>
           <a:off x="566530" y="696853"/>
-          <a:ext cx="11161644" cy="5972503"/>
+          <a:ext cx="11161644" cy="5984124"/>
         </p:xfrm>
         <a:graphic>
           <a:graphicData uri="http://schemas.openxmlformats.org/drawingml/2006/table">
@@ -5354,12 +5575,6 @@
                         </a:rPr>
                         <a:t>Unique identifier for the record.</a:t>
                       </a:r>
-                      <a:endParaRPr lang="en-US" sz="1600" dirty="0">
-                        <a:effectLst/>
-                        <a:latin typeface="Calibri" panose="020F0502020204030204" pitchFamily="34" charset="0"/>
-                        <a:ea typeface="Calibri" panose="020F0502020204030204" pitchFamily="34" charset="0"/>
-                        <a:cs typeface="Times New Roman" panose="02020603050405020304" pitchFamily="18" charset="0"/>
-                      </a:endParaRPr>
                     </a:p>
                   </a:txBody>
                   <a:tcPr marL="68580" marR="68580" marT="0" marB="0" anchor="ctr"/>
@@ -5428,12 +5643,6 @@
                         </a:rPr>
                         <a:t>Chicago Police Department RD Number (Records Division Number)</a:t>
                       </a:r>
-                      <a:endParaRPr lang="en-US" sz="1600" dirty="0">
-                        <a:effectLst/>
-                        <a:latin typeface="Calibri" panose="020F0502020204030204" pitchFamily="34" charset="0"/>
-                        <a:ea typeface="Calibri" panose="020F0502020204030204" pitchFamily="34" charset="0"/>
-                        <a:cs typeface="Times New Roman" panose="02020603050405020304" pitchFamily="18" charset="0"/>
-                      </a:endParaRPr>
                     </a:p>
                   </a:txBody>
                   <a:tcPr marL="68580" marR="68580" marT="0" marB="0" anchor="ctr"/>
@@ -5502,12 +5711,6 @@
                         </a:rPr>
                         <a:t>Date when the incident occurred</a:t>
                       </a:r>
-                      <a:endParaRPr lang="en-US" sz="1600" dirty="0">
-                        <a:effectLst/>
-                        <a:latin typeface="Calibri" panose="020F0502020204030204" pitchFamily="34" charset="0"/>
-                        <a:ea typeface="Calibri" panose="020F0502020204030204" pitchFamily="34" charset="0"/>
-                        <a:cs typeface="Times New Roman" panose="02020603050405020304" pitchFamily="18" charset="0"/>
-                      </a:endParaRPr>
                     </a:p>
                   </a:txBody>
                   <a:tcPr marL="68580" marR="68580" marT="0" marB="0" anchor="ctr"/>
@@ -5576,12 +5779,6 @@
                         </a:rPr>
                         <a:t>The partially redacted address where the incident occurred, placing it on the same block as the actual address</a:t>
                       </a:r>
-                      <a:endParaRPr lang="en-US" sz="1600" dirty="0">
-                        <a:effectLst/>
-                        <a:latin typeface="Calibri" panose="020F0502020204030204" pitchFamily="34" charset="0"/>
-                        <a:ea typeface="Calibri" panose="020F0502020204030204" pitchFamily="34" charset="0"/>
-                        <a:cs typeface="Times New Roman" panose="02020603050405020304" pitchFamily="18" charset="0"/>
-                      </a:endParaRPr>
                     </a:p>
                   </a:txBody>
                   <a:tcPr marL="68580" marR="68580" marT="0" marB="0" anchor="ctr"/>
@@ -5650,12 +5847,6 @@
                         </a:rPr>
                         <a:t>The Illinois Uniform Crime Reporting code</a:t>
                       </a:r>
-                      <a:endParaRPr lang="en-US" sz="1600" dirty="0">
-                        <a:effectLst/>
-                        <a:latin typeface="Calibri" panose="020F0502020204030204" pitchFamily="34" charset="0"/>
-                        <a:ea typeface="Calibri" panose="020F0502020204030204" pitchFamily="34" charset="0"/>
-                        <a:cs typeface="Times New Roman" panose="02020603050405020304" pitchFamily="18" charset="0"/>
-                      </a:endParaRPr>
                     </a:p>
                   </a:txBody>
                   <a:tcPr marL="68580" marR="68580" marT="0" marB="0" anchor="ctr"/>
@@ -5724,12 +5915,6 @@
                         </a:rPr>
                         <a:t>The primary description of the IUCR code.</a:t>
                       </a:r>
-                      <a:endParaRPr lang="en-US" sz="1600" dirty="0">
-                        <a:effectLst/>
-                        <a:latin typeface="Calibri" panose="020F0502020204030204" pitchFamily="34" charset="0"/>
-                        <a:ea typeface="Calibri" panose="020F0502020204030204" pitchFamily="34" charset="0"/>
-                        <a:cs typeface="Times New Roman" panose="02020603050405020304" pitchFamily="18" charset="0"/>
-                      </a:endParaRPr>
                     </a:p>
                   </a:txBody>
                   <a:tcPr marL="68580" marR="68580" marT="0" marB="0" anchor="ctr"/>
@@ -5798,12 +5983,6 @@
                         </a:rPr>
                         <a:t>The secondary description of the IUCR code, a subcategory of the primary description.</a:t>
                       </a:r>
-                      <a:endParaRPr lang="en-US" sz="1600" dirty="0">
-                        <a:effectLst/>
-                        <a:latin typeface="Calibri" panose="020F0502020204030204" pitchFamily="34" charset="0"/>
-                        <a:ea typeface="Calibri" panose="020F0502020204030204" pitchFamily="34" charset="0"/>
-                        <a:cs typeface="Times New Roman" panose="02020603050405020304" pitchFamily="18" charset="0"/>
-                      </a:endParaRPr>
                     </a:p>
                   </a:txBody>
                   <a:tcPr marL="68580" marR="68580" marT="0" marB="0" anchor="ctr"/>
@@ -5872,12 +6051,6 @@
                         </a:rPr>
                         <a:t>Description of the location where the incident occurred.</a:t>
                       </a:r>
-                      <a:endParaRPr lang="en-US" sz="1600" dirty="0">
-                        <a:effectLst/>
-                        <a:latin typeface="Calibri" panose="020F0502020204030204" pitchFamily="34" charset="0"/>
-                        <a:ea typeface="Calibri" panose="020F0502020204030204" pitchFamily="34" charset="0"/>
-                        <a:cs typeface="Times New Roman" panose="02020603050405020304" pitchFamily="18" charset="0"/>
-                      </a:endParaRPr>
                     </a:p>
                   </a:txBody>
                   <a:tcPr marL="68580" marR="68580" marT="0" marB="0"/>
@@ -5946,12 +6119,6 @@
                         </a:rPr>
                         <a:t>Indicates whether an arrest was made.</a:t>
                       </a:r>
-                      <a:endParaRPr lang="en-US" sz="1600" dirty="0">
-                        <a:effectLst/>
-                        <a:latin typeface="Calibri" panose="020F0502020204030204" pitchFamily="34" charset="0"/>
-                        <a:ea typeface="Calibri" panose="020F0502020204030204" pitchFamily="34" charset="0"/>
-                        <a:cs typeface="Times New Roman" panose="02020603050405020304" pitchFamily="18" charset="0"/>
-                      </a:endParaRPr>
                     </a:p>
                   </a:txBody>
                   <a:tcPr marL="68580" marR="68580" marT="0" marB="0" anchor="ctr"/>
@@ -6020,12 +6187,6 @@
                         </a:rPr>
                         <a:t>Indicates whether the incident was domestic-related</a:t>
                       </a:r>
-                      <a:endParaRPr lang="en-US" sz="1600" dirty="0">
-                        <a:effectLst/>
-                        <a:latin typeface="Calibri" panose="020F0502020204030204" pitchFamily="34" charset="0"/>
-                        <a:ea typeface="Calibri" panose="020F0502020204030204" pitchFamily="34" charset="0"/>
-                        <a:cs typeface="Times New Roman" panose="02020603050405020304" pitchFamily="18" charset="0"/>
-                      </a:endParaRPr>
                     </a:p>
                   </a:txBody>
                   <a:tcPr marL="68580" marR="68580" marT="0" marB="0" anchor="ctr"/>
@@ -6094,12 +6255,6 @@
                         </a:rPr>
                         <a:t>A beat is the smallest police geographic area </a:t>
                       </a:r>
-                      <a:endParaRPr lang="en-US" sz="1600" dirty="0">
-                        <a:effectLst/>
-                        <a:latin typeface="Calibri" panose="020F0502020204030204" pitchFamily="34" charset="0"/>
-                        <a:ea typeface="Calibri" panose="020F0502020204030204" pitchFamily="34" charset="0"/>
-                        <a:cs typeface="Times New Roman" panose="02020603050405020304" pitchFamily="18" charset="0"/>
-                      </a:endParaRPr>
                     </a:p>
                   </a:txBody>
                   <a:tcPr marL="68580" marR="68580" marT="0" marB="0" anchor="ctr"/>
@@ -6168,12 +6323,6 @@
                         </a:rPr>
                         <a:t>Indicates the police district where the incident occurred</a:t>
                       </a:r>
-                      <a:endParaRPr lang="en-US" sz="1600" dirty="0">
-                        <a:effectLst/>
-                        <a:latin typeface="Calibri" panose="020F0502020204030204" pitchFamily="34" charset="0"/>
-                        <a:ea typeface="Calibri" panose="020F0502020204030204" pitchFamily="34" charset="0"/>
-                        <a:cs typeface="Times New Roman" panose="02020603050405020304" pitchFamily="18" charset="0"/>
-                      </a:endParaRPr>
                     </a:p>
                   </a:txBody>
                   <a:tcPr marL="68580" marR="68580" marT="0" marB="0" anchor="ctr"/>
@@ -6242,12 +6391,6 @@
                         </a:rPr>
                         <a:t>The ward (City Council district) where the incident occurred</a:t>
                       </a:r>
-                      <a:endParaRPr lang="en-US" sz="1600" dirty="0">
-                        <a:effectLst/>
-                        <a:latin typeface="Calibri" panose="020F0502020204030204" pitchFamily="34" charset="0"/>
-                        <a:ea typeface="Calibri" panose="020F0502020204030204" pitchFamily="34" charset="0"/>
-                        <a:cs typeface="Times New Roman" panose="02020603050405020304" pitchFamily="18" charset="0"/>
-                      </a:endParaRPr>
                     </a:p>
                   </a:txBody>
                   <a:tcPr marL="68580" marR="68580" marT="0" marB="0" anchor="ctr"/>
@@ -6316,12 +6459,6 @@
                         </a:rPr>
                         <a:t>Indicates the community area where the incident occurred.</a:t>
                       </a:r>
-                      <a:endParaRPr lang="en-US" sz="1600" dirty="0">
-                        <a:effectLst/>
-                        <a:latin typeface="Calibri" panose="020F0502020204030204" pitchFamily="34" charset="0"/>
-                        <a:ea typeface="Calibri" panose="020F0502020204030204" pitchFamily="34" charset="0"/>
-                        <a:cs typeface="Times New Roman" panose="02020603050405020304" pitchFamily="18" charset="0"/>
-                      </a:endParaRPr>
                     </a:p>
                   </a:txBody>
                   <a:tcPr marL="68580" marR="68580" marT="0" marB="0" anchor="ctr"/>
@@ -6390,12 +6527,6 @@
                         </a:rPr>
                         <a:t>Indicates the crime classification as outlined in the FBI's National Incident-Based Reporting System</a:t>
                       </a:r>
-                      <a:endParaRPr lang="en-US" sz="1600" dirty="0">
-                        <a:effectLst/>
-                        <a:latin typeface="Calibri" panose="020F0502020204030204" pitchFamily="34" charset="0"/>
-                        <a:ea typeface="Calibri" panose="020F0502020204030204" pitchFamily="34" charset="0"/>
-                        <a:cs typeface="Times New Roman" panose="02020603050405020304" pitchFamily="18" charset="0"/>
-                      </a:endParaRPr>
                     </a:p>
                   </a:txBody>
                   <a:tcPr marL="68580" marR="68580" marT="0" marB="0" anchor="ctr"/>
@@ -6464,12 +6595,6 @@
                         </a:rPr>
                         <a:t>The x coordinate of the location where the incident occurred</a:t>
                       </a:r>
-                      <a:endParaRPr lang="en-US" sz="1600" dirty="0">
-                        <a:effectLst/>
-                        <a:latin typeface="Calibri" panose="020F0502020204030204" pitchFamily="34" charset="0"/>
-                        <a:ea typeface="Calibri" panose="020F0502020204030204" pitchFamily="34" charset="0"/>
-                        <a:cs typeface="Times New Roman" panose="02020603050405020304" pitchFamily="18" charset="0"/>
-                      </a:endParaRPr>
                     </a:p>
                   </a:txBody>
                   <a:tcPr marL="68580" marR="68580" marT="0" marB="0" anchor="ctr"/>
@@ -6538,12 +6663,6 @@
                         </a:rPr>
                         <a:t>The y coordinate of the location where the incident occurred</a:t>
                       </a:r>
-                      <a:endParaRPr lang="en-US" sz="1600" dirty="0">
-                        <a:effectLst/>
-                        <a:latin typeface="Calibri" panose="020F0502020204030204" pitchFamily="34" charset="0"/>
-                        <a:ea typeface="Calibri" panose="020F0502020204030204" pitchFamily="34" charset="0"/>
-                        <a:cs typeface="Times New Roman" panose="02020603050405020304" pitchFamily="18" charset="0"/>
-                      </a:endParaRPr>
                     </a:p>
                   </a:txBody>
                   <a:tcPr marL="68580" marR="68580" marT="0" marB="0" anchor="ctr"/>
@@ -6612,12 +6731,6 @@
                         </a:rPr>
                         <a:t>Year the incident occurred.</a:t>
                       </a:r>
-                      <a:endParaRPr lang="en-US" sz="1600" dirty="0">
-                        <a:effectLst/>
-                        <a:latin typeface="Calibri" panose="020F0502020204030204" pitchFamily="34" charset="0"/>
-                        <a:ea typeface="Calibri" panose="020F0502020204030204" pitchFamily="34" charset="0"/>
-                        <a:cs typeface="Times New Roman" panose="02020603050405020304" pitchFamily="18" charset="0"/>
-                      </a:endParaRPr>
                     </a:p>
                   </a:txBody>
                   <a:tcPr marL="68580" marR="68580" marT="0" marB="0" anchor="ctr"/>
@@ -6686,12 +6799,6 @@
                         </a:rPr>
                         <a:t>Date and time the record was last updated.</a:t>
                       </a:r>
-                      <a:endParaRPr lang="en-US" sz="1600" dirty="0">
-                        <a:effectLst/>
-                        <a:latin typeface="Calibri" panose="020F0502020204030204" pitchFamily="34" charset="0"/>
-                        <a:ea typeface="Calibri" panose="020F0502020204030204" pitchFamily="34" charset="0"/>
-                        <a:cs typeface="Times New Roman" panose="02020603050405020304" pitchFamily="18" charset="0"/>
-                      </a:endParaRPr>
                     </a:p>
                   </a:txBody>
                   <a:tcPr marL="68580" marR="68580" marT="0" marB="0" anchor="ctr"/>
@@ -6760,12 +6867,6 @@
                         </a:rPr>
                         <a:t>The latitude of the location where the incident occurred.</a:t>
                       </a:r>
-                      <a:endParaRPr lang="en-US" sz="1600" dirty="0">
-                        <a:effectLst/>
-                        <a:latin typeface="Calibri" panose="020F0502020204030204" pitchFamily="34" charset="0"/>
-                        <a:ea typeface="Calibri" panose="020F0502020204030204" pitchFamily="34" charset="0"/>
-                        <a:cs typeface="Times New Roman" panose="02020603050405020304" pitchFamily="18" charset="0"/>
-                      </a:endParaRPr>
                     </a:p>
                   </a:txBody>
                   <a:tcPr marL="68580" marR="68580" marT="0" marB="0" anchor="ctr"/>
@@ -6834,12 +6935,6 @@
                         </a:rPr>
                         <a:t>The longitude of the location where the incident occurred.</a:t>
                       </a:r>
-                      <a:endParaRPr lang="en-US" sz="1600" dirty="0">
-                        <a:effectLst/>
-                        <a:latin typeface="Calibri" panose="020F0502020204030204" pitchFamily="34" charset="0"/>
-                        <a:ea typeface="Calibri" panose="020F0502020204030204" pitchFamily="34" charset="0"/>
-                        <a:cs typeface="Times New Roman" panose="02020603050405020304" pitchFamily="18" charset="0"/>
-                      </a:endParaRPr>
                     </a:p>
                   </a:txBody>
                   <a:tcPr marL="68580" marR="68580" marT="0" marB="0" anchor="ctr"/>
@@ -6908,12 +7003,6 @@
                         </a:rPr>
                         <a:t>The location where the incident occurred</a:t>
                       </a:r>
-                      <a:endParaRPr lang="en-US" sz="1600" dirty="0">
-                        <a:effectLst/>
-                        <a:latin typeface="Calibri" panose="020F0502020204030204" pitchFamily="34" charset="0"/>
-                        <a:ea typeface="Calibri" panose="020F0502020204030204" pitchFamily="34" charset="0"/>
-                        <a:cs typeface="Times New Roman" panose="02020603050405020304" pitchFamily="18" charset="0"/>
-                      </a:endParaRPr>
                     </a:p>
                   </a:txBody>
                   <a:tcPr marL="68580" marR="68580" marT="0" marB="0" anchor="ctr"/>
@@ -7368,15 +7457,7 @@
             <a:pPr lvl="1"/>
             <a:r>
               <a:rPr lang="en-US" dirty="0"/>
-              <a:t>Statistical analysis and </a:t>
-            </a:r>
-            <a:r>
-              <a:rPr lang="en-US" dirty="0"/>
-              <a:t>visualizations </a:t>
-            </a:r>
-            <a:r>
-              <a:rPr lang="en-US" dirty="0"/>
-              <a:t>on historical data to the user.</a:t>
+              <a:t>Statistical analysis and visualizations on historical data to the user.</a:t>
             </a:r>
           </a:p>
           <a:p>
@@ -7503,15 +7584,7 @@
             <a:pPr lvl="1"/>
             <a:r>
               <a:rPr lang="en-US" dirty="0"/>
-              <a:t>Check the percentage of missing values and their </a:t>
-            </a:r>
-            <a:r>
-              <a:rPr lang="en-US" dirty="0"/>
-              <a:t>frequency distribution. Then </a:t>
-            </a:r>
-            <a:r>
-              <a:rPr lang="en-US" dirty="0"/>
-              <a:t>choose appropriate technique to handle missing data.</a:t>
+              <a:t>Check the percentage of missing values and their frequency distribution. Then choose appropriate technique to handle missing data.</a:t>
             </a:r>
           </a:p>
           <a:p>
@@ -7632,13 +7705,8 @@
             </a:r>
             <a:r>
               <a:rPr lang="en-US" dirty="0"/>
-              <a:t> which is a ArcGIS </a:t>
-            </a:r>
-            <a:r>
-              <a:rPr lang="en-US" dirty="0"/>
-              <a:t> Python site package that provides a useful and productive way to perform geographic data analysis, data conversion, data management, and map automation with Python.</a:t>
-            </a:r>
-            <a:endParaRPr lang="en-US" dirty="0"/>
+              <a:t> which is a ArcGIS  Python site package that provides a useful and productive way to perform geographic data analysis, data conversion, data management, and map automation with Python.</a:t>
+            </a:r>
           </a:p>
           <a:p>
             <a:r>
@@ -7673,7 +7741,6 @@
               <a:rPr lang="en-US" dirty="0"/>
               <a:t>Hot Spot Analysis of events or incidents.</a:t>
             </a:r>
-            <a:endParaRPr lang="en-US" dirty="0"/>
           </a:p>
         </p:txBody>
       </p:sp>
@@ -7915,22 +7982,14 @@
             </a:r>
             <a:r>
               <a:rPr lang="en-US" dirty="0"/>
-              <a:t>: We will then build prediction models for each cluster that will </a:t>
-            </a:r>
+              <a:t>: We will then build prediction models for each cluster that will predict the date when the next crime will happen and its probability. </a:t>
+            </a:r>
+          </a:p>
+          <a:p>
+            <a:pPr lvl="1"/>
             <a:r>
               <a:rPr lang="en-US" dirty="0"/>
-              <a:t>predict the date when the next crime will happen and its probability. </a:t>
-            </a:r>
-          </a:p>
-          <a:p>
-            <a:pPr lvl="1"/>
-            <a:r>
-              <a:rPr lang="en-US" dirty="0"/>
-              <a:t>We will try different models like Linear Regression, Random forest and SVM and will c</a:t>
-            </a:r>
-            <a:r>
-              <a:rPr lang="en-US" dirty="0"/>
-              <a:t>hoose the best prediction model.</a:t>
+              <a:t>We will try different models like Linear Regression, Random forest and SVM and will choose the best prediction model.</a:t>
             </a:r>
           </a:p>
           <a:p>
